--- a/15.1 Arquitetura de Negócio para cada Cenário.pptx
+++ b/15.1 Arquitetura de Negócio para cada Cenário.pptx
@@ -6,11 +6,9 @@
   </p:sldMasterIdLst>
   <p:sldIdLst>
     <p:sldId id="257" r:id="rId2"/>
-    <p:sldId id="258" r:id="rId3"/>
-    <p:sldId id="259" r:id="rId4"/>
-    <p:sldId id="260" r:id="rId5"/>
-    <p:sldId id="261" r:id="rId6"/>
-    <p:sldId id="262" r:id="rId7"/>
+    <p:sldId id="259" r:id="rId3"/>
+    <p:sldId id="263" r:id="rId4"/>
+    <p:sldId id="264" r:id="rId5"/>
   </p:sldIdLst>
   <p:sldSz cx="12192000" cy="6858000"/>
   <p:notesSz cx="6858000" cy="9144000"/>
@@ -109,6 +107,11 @@
       </a:defRPr>
     </a:lvl9pPr>
   </p:defaultTextStyle>
+  <p:extLst>
+    <p:ext uri="{EFAFB233-063F-42B5-8137-9DF3F51BA10A}">
+      <p15:sldGuideLst xmlns:p15="http://schemas.microsoft.com/office/powerpoint/2012/main"/>
+    </p:ext>
+  </p:extLst>
 </p:presentation>
 </file>
 
@@ -3344,8 +3347,8 @@
         </p:nvSpPr>
         <p:spPr>
           <a:xfrm>
-            <a:off x="930704" y="2268538"/>
-            <a:ext cx="10515600" cy="1160462"/>
+            <a:off x="716691" y="2437112"/>
+            <a:ext cx="10501183" cy="991888"/>
           </a:xfrm>
         </p:spPr>
         <p:txBody>
@@ -3360,7 +3363,7 @@
             </a:r>
             <a:r>
               <a:rPr lang="pt-BR" sz="3200" baseline="-25000" dirty="0"/>
-              <a:t> Help Desk </a:t>
+              <a:t>  </a:t>
             </a:r>
             <a:endParaRPr lang="pt-BR" sz="3200" dirty="0"/>
           </a:p>
@@ -3384,18 +3387,18 @@
         </p:nvSpPr>
         <p:spPr>
           <a:xfrm>
-            <a:off x="6919784" y="4102443"/>
-            <a:ext cx="4427666" cy="1987207"/>
+            <a:off x="6334984" y="5041600"/>
+            <a:ext cx="4427666" cy="1307586"/>
           </a:xfrm>
         </p:spPr>
         <p:txBody>
           <a:bodyPr>
-            <a:normAutofit fontScale="62500" lnSpcReduction="20000"/>
+            <a:normAutofit/>
           </a:bodyPr>
           <a:lstStyle/>
           <a:p>
             <a:r>
-              <a:rPr lang="pt-BR" sz="5100" baseline="-25000" dirty="0">
+              <a:rPr lang="pt-BR" sz="3200" baseline="-25000" dirty="0">
                 <a:solidFill>
                   <a:schemeClr val="tx1"/>
                 </a:solidFill>
@@ -3404,34 +3407,14 @@
               </a:rPr>
               <a:t>Capacidade:</a:t>
             </a:r>
-            <a:endParaRPr lang="pt-BR" sz="5100" dirty="0">
-              <a:solidFill>
-                <a:schemeClr val="tx1"/>
-              </a:solidFill>
-              <a:latin typeface="Arial" panose="020B0604020202020204" pitchFamily="34" charset="0"/>
-              <a:cs typeface="Arial" panose="020B0604020202020204" pitchFamily="34" charset="0"/>
-            </a:endParaRPr>
-          </a:p>
-          <a:p>
-            <a:r>
-              <a:rPr lang="pt-BR" sz="5100" baseline="-25000" dirty="0"/>
-              <a:t>-Receber chamada</a:t>
-            </a:r>
-            <a:endParaRPr lang="pt-BR" sz="5100" dirty="0"/>
-          </a:p>
-          <a:p>
-            <a:r>
-              <a:rPr lang="pt-BR" sz="5100" baseline="-25000" dirty="0"/>
-              <a:t>-Fornece Informação</a:t>
-            </a:r>
-            <a:endParaRPr lang="pt-BR" sz="5100" dirty="0"/>
-          </a:p>
-          <a:p>
-            <a:r>
-              <a:rPr lang="pt-BR" sz="5100" baseline="-25000" dirty="0"/>
+            <a:endParaRPr lang="pt-BR" sz="3200" dirty="0"/>
+          </a:p>
+          <a:p>
+            <a:r>
+              <a:rPr lang="pt-BR" sz="3200" baseline="-25000" dirty="0"/>
               <a:t>-Agenda manutenção</a:t>
             </a:r>
-            <a:endParaRPr lang="pt-BR" sz="5100" dirty="0"/>
+            <a:endParaRPr lang="pt-BR" sz="3200" dirty="0"/>
           </a:p>
           <a:p>
             <a:endParaRPr lang="pt-BR" dirty="0"/>
@@ -3452,7 +3435,7 @@
         </p:nvSpPr>
         <p:spPr>
           <a:xfrm>
-            <a:off x="4477264" y="768350"/>
+            <a:off x="4613189" y="323506"/>
             <a:ext cx="2965622" cy="1112109"/>
           </a:xfrm>
           <a:prstGeom prst="round2DiagRect">
@@ -3496,36 +3479,6 @@
           </a:p>
         </p:txBody>
       </p:sp>
-      <p:pic>
-        <p:nvPicPr>
-          <p:cNvPr id="9" name="Imagem 8">
-            <a:extLst>
-              <a:ext uri="{FF2B5EF4-FFF2-40B4-BE49-F238E27FC236}">
-                <a16:creationId xmlns:a16="http://schemas.microsoft.com/office/drawing/2014/main" id="{64D23AE5-6FFE-4D24-8A23-3D28141B4632}"/>
-              </a:ext>
-            </a:extLst>
-          </p:cNvPr>
-          <p:cNvPicPr>
-            <a:picLocks noChangeAspect="1"/>
-          </p:cNvPicPr>
-          <p:nvPr/>
-        </p:nvPicPr>
-        <p:blipFill>
-          <a:blip r:embed="rId2"/>
-          <a:stretch>
-            <a:fillRect/>
-          </a:stretch>
-        </p:blipFill>
-        <p:spPr>
-          <a:xfrm>
-            <a:off x="4209419" y="2460153"/>
-            <a:ext cx="1231673" cy="1739983"/>
-          </a:xfrm>
-          <a:prstGeom prst="rect">
-            <a:avLst/>
-          </a:prstGeom>
-        </p:spPr>
-      </p:pic>
       <p:cxnSp>
         <p:nvCxnSpPr>
           <p:cNvPr id="17" name="Conector: Curvo 16">
@@ -3538,19 +3491,17 @@
           <p:cNvCxnSpPr>
             <a:cxnSpLocks/>
             <a:stCxn id="8" idx="2"/>
-            <a:endCxn id="4" idx="1"/>
+            <a:endCxn id="11" idx="0"/>
           </p:cNvCxnSpPr>
           <p:nvPr/>
         </p:nvCxnSpPr>
         <p:spPr>
           <a:xfrm rot="10800000" flipV="1">
-            <a:off x="930704" y="1324405"/>
-            <a:ext cx="3546560" cy="1524364"/>
-          </a:xfrm>
-          <a:prstGeom prst="curvedConnector3">
-            <a:avLst>
-              <a:gd name="adj1" fmla="val 100175"/>
-            </a:avLst>
+            <a:off x="4349579" y="879561"/>
+            <a:ext cx="263611" cy="1479334"/>
+          </a:xfrm>
+          <a:prstGeom prst="curvedConnector2">
+            <a:avLst/>
           </a:prstGeom>
           <a:ln>
             <a:tailEnd type="triangle"/>
@@ -3582,18 +3533,20 @@
           </p:cNvPr>
           <p:cNvCxnSpPr>
             <a:cxnSpLocks/>
-            <a:stCxn id="9" idx="3"/>
-            <a:endCxn id="5" idx="0"/>
+            <a:stCxn id="8" idx="1"/>
+            <a:endCxn id="26" idx="0"/>
           </p:cNvCxnSpPr>
           <p:nvPr/>
         </p:nvCxnSpPr>
         <p:spPr>
-          <a:xfrm>
-            <a:off x="5441092" y="3330145"/>
-            <a:ext cx="3692525" cy="772298"/>
-          </a:xfrm>
-          <a:prstGeom prst="curvedConnector2">
-            <a:avLst/>
+          <a:xfrm rot="16200000" flipH="1">
+            <a:off x="6201633" y="1329982"/>
+            <a:ext cx="1432182" cy="1643448"/>
+          </a:xfrm>
+          <a:prstGeom prst="curvedConnector3">
+            <a:avLst>
+              <a:gd name="adj1" fmla="val 42235"/>
+            </a:avLst>
           </a:prstGeom>
           <a:ln>
             <a:tailEnd type="triangle"/>
@@ -3614,6 +3567,166 @@
           </a:fontRef>
         </p:style>
       </p:cxnSp>
+      <p:pic>
+        <p:nvPicPr>
+          <p:cNvPr id="11" name="Imagem 10">
+            <a:extLst>
+              <a:ext uri="{FF2B5EF4-FFF2-40B4-BE49-F238E27FC236}">
+                <a16:creationId xmlns:a16="http://schemas.microsoft.com/office/drawing/2014/main" id="{7F869F07-D970-43E8-BC1E-315C6957A60D}"/>
+              </a:ext>
+            </a:extLst>
+          </p:cNvPr>
+          <p:cNvPicPr>
+            <a:picLocks noChangeAspect="1"/>
+          </p:cNvPicPr>
+          <p:nvPr/>
+        </p:nvPicPr>
+        <p:blipFill>
+          <a:blip r:embed="rId2"/>
+          <a:stretch>
+            <a:fillRect/>
+          </a:stretch>
+        </p:blipFill>
+        <p:spPr>
+          <a:xfrm>
+            <a:off x="3358978" y="2358895"/>
+            <a:ext cx="1981200" cy="2305050"/>
+          </a:xfrm>
+          <a:prstGeom prst="rect">
+            <a:avLst/>
+          </a:prstGeom>
+        </p:spPr>
+      </p:pic>
+      <p:sp>
+        <p:nvSpPr>
+          <p:cNvPr id="26" name="Retângulo: Cantos Arredondados 25">
+            <a:extLst>
+              <a:ext uri="{FF2B5EF4-FFF2-40B4-BE49-F238E27FC236}">
+                <a16:creationId xmlns:a16="http://schemas.microsoft.com/office/drawing/2014/main" id="{A9FDB857-A166-48E5-8C15-D5F1CA24AAB2}"/>
+              </a:ext>
+            </a:extLst>
+          </p:cNvPr>
+          <p:cNvSpPr/>
+          <p:nvPr/>
+        </p:nvSpPr>
+        <p:spPr>
+          <a:xfrm>
+            <a:off x="6565556" y="2867797"/>
+            <a:ext cx="2347784" cy="839101"/>
+          </a:xfrm>
+          <a:prstGeom prst="roundRect">
+            <a:avLst/>
+          </a:prstGeom>
+        </p:spPr>
+        <p:style>
+          <a:lnRef idx="2">
+            <a:schemeClr val="accent1">
+              <a:shade val="50000"/>
+            </a:schemeClr>
+          </a:lnRef>
+          <a:fillRef idx="1">
+            <a:schemeClr val="accent1"/>
+          </a:fillRef>
+          <a:effectRef idx="0">
+            <a:schemeClr val="accent1"/>
+          </a:effectRef>
+          <a:fontRef idx="minor">
+            <a:schemeClr val="lt1"/>
+          </a:fontRef>
+        </p:style>
+        <p:txBody>
+          <a:bodyPr rtlCol="0" anchor="ctr"/>
+          <a:lstStyle/>
+          <a:p>
+            <a:pPr algn="ctr"/>
+            <a:r>
+              <a:rPr lang="pt-BR" dirty="0"/>
+              <a:t>Help Desk</a:t>
+            </a:r>
+          </a:p>
+        </p:txBody>
+      </p:sp>
+      <p:cxnSp>
+        <p:nvCxnSpPr>
+          <p:cNvPr id="31" name="Conector: Curvo 30">
+            <a:extLst>
+              <a:ext uri="{FF2B5EF4-FFF2-40B4-BE49-F238E27FC236}">
+                <a16:creationId xmlns:a16="http://schemas.microsoft.com/office/drawing/2014/main" id="{7EBACDC6-782C-4CCB-A4ED-7D646E44CA3E}"/>
+              </a:ext>
+            </a:extLst>
+          </p:cNvPr>
+          <p:cNvCxnSpPr>
+            <a:cxnSpLocks/>
+            <a:stCxn id="26" idx="2"/>
+            <a:endCxn id="5" idx="1"/>
+          </p:cNvCxnSpPr>
+          <p:nvPr/>
+        </p:nvCxnSpPr>
+        <p:spPr>
+          <a:xfrm rot="5400000">
+            <a:off x="6042969" y="3998913"/>
+            <a:ext cx="1988495" cy="1404464"/>
+          </a:xfrm>
+          <a:prstGeom prst="curvedConnector4">
+            <a:avLst>
+              <a:gd name="adj1" fmla="val 33561"/>
+              <a:gd name="adj2" fmla="val 116277"/>
+            </a:avLst>
+          </a:prstGeom>
+          <a:ln>
+            <a:tailEnd type="triangle"/>
+          </a:ln>
+        </p:spPr>
+        <p:style>
+          <a:lnRef idx="1">
+            <a:schemeClr val="accent1"/>
+          </a:lnRef>
+          <a:fillRef idx="0">
+            <a:schemeClr val="accent1"/>
+          </a:fillRef>
+          <a:effectRef idx="0">
+            <a:schemeClr val="accent1"/>
+          </a:effectRef>
+          <a:fontRef idx="minor">
+            <a:schemeClr val="tx1"/>
+          </a:fontRef>
+        </p:style>
+      </p:cxnSp>
+      <p:sp>
+        <p:nvSpPr>
+          <p:cNvPr id="44" name="CaixaDeTexto 43">
+            <a:extLst>
+              <a:ext uri="{FF2B5EF4-FFF2-40B4-BE49-F238E27FC236}">
+                <a16:creationId xmlns:a16="http://schemas.microsoft.com/office/drawing/2014/main" id="{F611051F-6BA3-4225-9567-7E98073ECC63}"/>
+              </a:ext>
+            </a:extLst>
+          </p:cNvPr>
+          <p:cNvSpPr txBox="1"/>
+          <p:nvPr/>
+        </p:nvSpPr>
+        <p:spPr>
+          <a:xfrm>
+            <a:off x="3799953" y="4727419"/>
+            <a:ext cx="813236" cy="369332"/>
+          </a:xfrm>
+          <a:prstGeom prst="rect">
+            <a:avLst/>
+          </a:prstGeom>
+          <a:noFill/>
+        </p:spPr>
+        <p:txBody>
+          <a:bodyPr wrap="none" rtlCol="0">
+            <a:spAutoFit/>
+          </a:bodyPr>
+          <a:lstStyle/>
+          <a:p>
+            <a:r>
+              <a:rPr lang="pt-BR" dirty="0"/>
+              <a:t>cliente</a:t>
+            </a:r>
+          </a:p>
+        </p:txBody>
+      </p:sp>
     </p:spTree>
     <p:extLst>
       <p:ext uri="{BB962C8B-B14F-4D97-AF65-F5344CB8AC3E}">
@@ -3676,17 +3789,6 @@
               <a:rPr lang="pt-BR" sz="3200" b="1" baseline="-25000" dirty="0"/>
               <a:t>Nós operacionais:</a:t>
             </a:r>
-            <a:r>
-              <a:rPr lang="pt-BR" sz="3200" baseline="-25000" dirty="0"/>
-              <a:t> </a:t>
-            </a:r>
-            <a:r>
-              <a:rPr lang="pt-BR" sz="3200" baseline="-25000" dirty="0">
-                <a:latin typeface="Arial" panose="020B0604020202020204" pitchFamily="34" charset="0"/>
-                <a:cs typeface="Arial" panose="020B0604020202020204" pitchFamily="34" charset="0"/>
-              </a:rPr>
-              <a:t>técnico</a:t>
-            </a:r>
             <a:endParaRPr lang="pt-BR" sz="3200" dirty="0"/>
           </a:p>
         </p:txBody>
@@ -3709,13 +3811,13 @@
         </p:nvSpPr>
         <p:spPr>
           <a:xfrm>
-            <a:off x="6919784" y="4102443"/>
-            <a:ext cx="4427666" cy="1987207"/>
+            <a:off x="7444945" y="5053914"/>
+            <a:ext cx="4260850" cy="1319942"/>
           </a:xfrm>
         </p:spPr>
         <p:txBody>
           <a:bodyPr>
-            <a:normAutofit/>
+            <a:normAutofit fontScale="92500" lnSpcReduction="20000"/>
           </a:bodyPr>
           <a:lstStyle/>
           <a:p>
@@ -3740,14 +3842,14 @@
           <a:p>
             <a:r>
               <a:rPr lang="pt-BR" sz="3200" baseline="-25000" dirty="0"/>
-              <a:t>-Descarte adequadamente</a:t>
+              <a:t>-Peças novas para vendedores</a:t>
             </a:r>
             <a:endParaRPr lang="pt-BR" sz="3200" dirty="0"/>
           </a:p>
           <a:p>
             <a:r>
               <a:rPr lang="pt-BR" sz="3200" baseline="-25000" dirty="0"/>
-              <a:t>-Agendar descarte com cliente</a:t>
+              <a:t>-Produtos novos e atualizado </a:t>
             </a:r>
             <a:endParaRPr lang="pt-BR" sz="3200" dirty="0"/>
           </a:p>
@@ -3770,7 +3872,7 @@
         </p:nvSpPr>
         <p:spPr>
           <a:xfrm>
-            <a:off x="4477264" y="768350"/>
+            <a:off x="4240341" y="332277"/>
             <a:ext cx="2965622" cy="1112109"/>
           </a:xfrm>
           <a:prstGeom prst="round2DiagRect">
@@ -3804,42 +3906,12 @@
             </a:r>
             <a:r>
               <a:rPr lang="pt-BR" sz="3200" baseline="-25000" dirty="0"/>
-              <a:t>: Solicitação de descarte</a:t>
+              <a:t>: Fornecimento</a:t>
             </a:r>
             <a:endParaRPr lang="pt-BR" sz="3200" dirty="0"/>
           </a:p>
         </p:txBody>
       </p:sp>
-      <p:pic>
-        <p:nvPicPr>
-          <p:cNvPr id="9" name="Imagem 8">
-            <a:extLst>
-              <a:ext uri="{FF2B5EF4-FFF2-40B4-BE49-F238E27FC236}">
-                <a16:creationId xmlns:a16="http://schemas.microsoft.com/office/drawing/2014/main" id="{64D23AE5-6FFE-4D24-8A23-3D28141B4632}"/>
-              </a:ext>
-            </a:extLst>
-          </p:cNvPr>
-          <p:cNvPicPr>
-            <a:picLocks noChangeAspect="1"/>
-          </p:cNvPicPr>
-          <p:nvPr/>
-        </p:nvPicPr>
-        <p:blipFill>
-          <a:blip r:embed="rId2"/>
-          <a:stretch>
-            <a:fillRect/>
-          </a:stretch>
-        </p:blipFill>
-        <p:spPr>
-          <a:xfrm>
-            <a:off x="5344238" y="2268538"/>
-            <a:ext cx="1231673" cy="1739983"/>
-          </a:xfrm>
-          <a:prstGeom prst="rect">
-            <a:avLst/>
-          </a:prstGeom>
-        </p:spPr>
-      </p:pic>
       <p:cxnSp>
         <p:nvCxnSpPr>
           <p:cNvPr id="17" name="Conector: Curvo 16">
@@ -3852,18 +3924,19 @@
           <p:cNvCxnSpPr>
             <a:cxnSpLocks/>
             <a:stCxn id="8" idx="2"/>
-            <a:endCxn id="4" idx="1"/>
+            <a:endCxn id="10" idx="0"/>
           </p:cNvCxnSpPr>
           <p:nvPr/>
         </p:nvCxnSpPr>
         <p:spPr>
-          <a:xfrm rot="10800000" flipV="1">
-            <a:off x="930704" y="1324405"/>
-            <a:ext cx="3546560" cy="1524364"/>
-          </a:xfrm>
-          <a:prstGeom prst="curvedConnector3">
+          <a:xfrm rot="10800000" flipH="1" flipV="1">
+            <a:off x="4240341" y="888332"/>
+            <a:ext cx="680824" cy="2406954"/>
+          </a:xfrm>
+          <a:prstGeom prst="curvedConnector4">
             <a:avLst>
-              <a:gd name="adj1" fmla="val 106446"/>
+              <a:gd name="adj1" fmla="val -33577"/>
+              <a:gd name="adj2" fmla="val 61551"/>
             </a:avLst>
           </a:prstGeom>
           <a:ln>
@@ -3896,18 +3969,20 @@
           </p:cNvPr>
           <p:cNvCxnSpPr>
             <a:cxnSpLocks/>
-            <a:stCxn id="9" idx="3"/>
-            <a:endCxn id="5" idx="0"/>
+            <a:stCxn id="8" idx="1"/>
+            <a:endCxn id="11" idx="0"/>
           </p:cNvCxnSpPr>
           <p:nvPr/>
         </p:nvCxnSpPr>
         <p:spPr>
-          <a:xfrm>
-            <a:off x="6575911" y="3138530"/>
-            <a:ext cx="2557706" cy="963913"/>
-          </a:xfrm>
-          <a:prstGeom prst="curvedConnector2">
-            <a:avLst/>
+          <a:xfrm rot="16200000" flipH="1">
+            <a:off x="6591696" y="575842"/>
+            <a:ext cx="1721775" cy="3458862"/>
+          </a:xfrm>
+          <a:prstGeom prst="curvedConnector3">
+            <a:avLst>
+              <a:gd name="adj1" fmla="val 50000"/>
+            </a:avLst>
           </a:prstGeom>
           <a:ln>
             <a:tailEnd type="triangle"/>
@@ -3928,10 +4003,171 @@
           </a:fontRef>
         </p:style>
       </p:cxnSp>
+      <p:pic>
+        <p:nvPicPr>
+          <p:cNvPr id="10" name="Imagem 9">
+            <a:extLst>
+              <a:ext uri="{FF2B5EF4-FFF2-40B4-BE49-F238E27FC236}">
+                <a16:creationId xmlns:a16="http://schemas.microsoft.com/office/drawing/2014/main" id="{738EBDF5-AA55-4E31-88E4-BA0DB7405789}"/>
+              </a:ext>
+            </a:extLst>
+          </p:cNvPr>
+          <p:cNvPicPr>
+            <a:picLocks noChangeAspect="1"/>
+          </p:cNvPicPr>
+          <p:nvPr/>
+        </p:nvPicPr>
+        <p:blipFill>
+          <a:blip r:embed="rId2"/>
+          <a:stretch>
+            <a:fillRect/>
+          </a:stretch>
+        </p:blipFill>
+        <p:spPr>
+          <a:xfrm>
+            <a:off x="3930565" y="3295286"/>
+            <a:ext cx="1981200" cy="2305050"/>
+          </a:xfrm>
+          <a:prstGeom prst="rect">
+            <a:avLst/>
+          </a:prstGeom>
+        </p:spPr>
+      </p:pic>
+      <p:sp>
+        <p:nvSpPr>
+          <p:cNvPr id="11" name="Retângulo: Cantos Arredondados 10">
+            <a:extLst>
+              <a:ext uri="{FF2B5EF4-FFF2-40B4-BE49-F238E27FC236}">
+                <a16:creationId xmlns:a16="http://schemas.microsoft.com/office/drawing/2014/main" id="{67EBC0C3-CE98-469C-BDAD-C0E57677F28D}"/>
+              </a:ext>
+            </a:extLst>
+          </p:cNvPr>
+          <p:cNvSpPr/>
+          <p:nvPr/>
+        </p:nvSpPr>
+        <p:spPr>
+          <a:xfrm>
+            <a:off x="8008122" y="3166161"/>
+            <a:ext cx="2347784" cy="839101"/>
+          </a:xfrm>
+          <a:prstGeom prst="roundRect">
+            <a:avLst/>
+          </a:prstGeom>
+        </p:spPr>
+        <p:style>
+          <a:lnRef idx="2">
+            <a:schemeClr val="accent1">
+              <a:shade val="50000"/>
+            </a:schemeClr>
+          </a:lnRef>
+          <a:fillRef idx="1">
+            <a:schemeClr val="accent1"/>
+          </a:fillRef>
+          <a:effectRef idx="0">
+            <a:schemeClr val="accent1"/>
+          </a:effectRef>
+          <a:fontRef idx="minor">
+            <a:schemeClr val="lt1"/>
+          </a:fontRef>
+        </p:style>
+        <p:txBody>
+          <a:bodyPr rtlCol="0" anchor="ctr"/>
+          <a:lstStyle/>
+          <a:p>
+            <a:pPr algn="ctr"/>
+            <a:r>
+              <a:rPr lang="pt-BR" sz="3200" baseline="-25000" dirty="0"/>
+              <a:t>Schneider Electric</a:t>
+            </a:r>
+            <a:endParaRPr lang="pt-BR" sz="3200" dirty="0"/>
+          </a:p>
+        </p:txBody>
+      </p:sp>
+      <p:cxnSp>
+        <p:nvCxnSpPr>
+          <p:cNvPr id="7" name="Conector: Curvo 6">
+            <a:extLst>
+              <a:ext uri="{FF2B5EF4-FFF2-40B4-BE49-F238E27FC236}">
+                <a16:creationId xmlns:a16="http://schemas.microsoft.com/office/drawing/2014/main" id="{768B3C43-1E83-446A-94EF-FFB12CA34E33}"/>
+              </a:ext>
+            </a:extLst>
+          </p:cNvPr>
+          <p:cNvCxnSpPr>
+            <a:cxnSpLocks/>
+            <a:stCxn id="11" idx="2"/>
+            <a:endCxn id="5" idx="1"/>
+          </p:cNvCxnSpPr>
+          <p:nvPr/>
+        </p:nvCxnSpPr>
+        <p:spPr>
+          <a:xfrm rot="5400000">
+            <a:off x="7459169" y="3991039"/>
+            <a:ext cx="1708623" cy="1737069"/>
+          </a:xfrm>
+          <a:prstGeom prst="curvedConnector4">
+            <a:avLst>
+              <a:gd name="adj1" fmla="val 30687"/>
+              <a:gd name="adj2" fmla="val 113160"/>
+            </a:avLst>
+          </a:prstGeom>
+          <a:ln>
+            <a:tailEnd type="triangle"/>
+          </a:ln>
+        </p:spPr>
+        <p:style>
+          <a:lnRef idx="1">
+            <a:schemeClr val="accent1"/>
+          </a:lnRef>
+          <a:fillRef idx="0">
+            <a:schemeClr val="accent1"/>
+          </a:fillRef>
+          <a:effectRef idx="0">
+            <a:schemeClr val="accent1"/>
+          </a:effectRef>
+          <a:fontRef idx="minor">
+            <a:schemeClr val="tx1"/>
+          </a:fontRef>
+        </p:style>
+      </p:cxnSp>
+      <p:sp>
+        <p:nvSpPr>
+          <p:cNvPr id="19" name="CaixaDeTexto 18">
+            <a:extLst>
+              <a:ext uri="{FF2B5EF4-FFF2-40B4-BE49-F238E27FC236}">
+                <a16:creationId xmlns:a16="http://schemas.microsoft.com/office/drawing/2014/main" id="{C3C3F15C-A6C2-4B40-AE6F-85B558C63121}"/>
+              </a:ext>
+            </a:extLst>
+          </p:cNvPr>
+          <p:cNvSpPr txBox="1"/>
+          <p:nvPr/>
+        </p:nvSpPr>
+        <p:spPr>
+          <a:xfrm>
+            <a:off x="4340438" y="5600336"/>
+            <a:ext cx="813236" cy="369332"/>
+          </a:xfrm>
+          <a:prstGeom prst="rect">
+            <a:avLst/>
+          </a:prstGeom>
+          <a:noFill/>
+        </p:spPr>
+        <p:txBody>
+          <a:bodyPr wrap="none" rtlCol="0">
+            <a:spAutoFit/>
+          </a:bodyPr>
+          <a:lstStyle/>
+          <a:p>
+            <a:r>
+              <a:rPr lang="pt-BR" dirty="0"/>
+              <a:t>cliente</a:t>
+            </a:r>
+          </a:p>
+        </p:txBody>
+      </p:sp>
     </p:spTree>
     <p:extLst>
       <p:ext uri="{BB962C8B-B14F-4D97-AF65-F5344CB8AC3E}">
-        <p14:creationId xmlns:p14="http://schemas.microsoft.com/office/powerpoint/2010/main" val="751277326"/>
+        <p14:creationId xmlns:p14="http://schemas.microsoft.com/office/powerpoint/2010/main" val="1355315378"/>
       </p:ext>
     </p:extLst>
   </p:cSld>
@@ -3990,10 +4226,6 @@
               <a:rPr lang="pt-BR" sz="3200" b="1" baseline="-25000" dirty="0"/>
               <a:t>Nós operacionais:</a:t>
             </a:r>
-            <a:r>
-              <a:rPr lang="pt-BR" sz="3200" baseline="-25000" dirty="0"/>
-              <a:t> Schneider Electric</a:t>
-            </a:r>
             <a:endParaRPr lang="pt-BR" sz="3200" dirty="0"/>
           </a:p>
         </p:txBody>
@@ -4016,13 +4248,13 @@
         </p:nvSpPr>
         <p:spPr>
           <a:xfrm>
-            <a:off x="6919784" y="4102443"/>
-            <a:ext cx="4427666" cy="1987207"/>
+            <a:off x="7444945" y="5053914"/>
+            <a:ext cx="4260850" cy="1319942"/>
           </a:xfrm>
         </p:spPr>
         <p:txBody>
           <a:bodyPr>
-            <a:normAutofit/>
+            <a:normAutofit fontScale="92500" lnSpcReduction="20000"/>
           </a:bodyPr>
           <a:lstStyle/>
           <a:p>
@@ -4047,14 +4279,14 @@
           <a:p>
             <a:r>
               <a:rPr lang="pt-BR" sz="3200" baseline="-25000" dirty="0"/>
-              <a:t>-Peças novas para vendedores</a:t>
+              <a:t>-Manutenção de defeitos</a:t>
             </a:r>
             <a:endParaRPr lang="pt-BR" sz="3200" dirty="0"/>
           </a:p>
           <a:p>
             <a:r>
               <a:rPr lang="pt-BR" sz="3200" baseline="-25000" dirty="0"/>
-              <a:t>-Produtos novos e atualizado </a:t>
+              <a:t>-Troca de peças quebradas</a:t>
             </a:r>
             <a:endParaRPr lang="pt-BR" sz="3200" dirty="0"/>
           </a:p>
@@ -4077,7 +4309,7 @@
         </p:nvSpPr>
         <p:spPr>
           <a:xfrm>
-            <a:off x="4613189" y="768350"/>
+            <a:off x="4428954" y="541455"/>
             <a:ext cx="2965622" cy="1112109"/>
           </a:xfrm>
           <a:prstGeom prst="round2DiagRect">
@@ -4111,42 +4343,16 @@
             </a:r>
             <a:r>
               <a:rPr lang="pt-BR" sz="3200" baseline="-25000" dirty="0"/>
-              <a:t>: Fornecimento</a:t>
+              <a:t>: Troca de peças com defeito</a:t>
             </a:r>
             <a:endParaRPr lang="pt-BR" sz="3200" dirty="0"/>
           </a:p>
-        </p:txBody>
-      </p:sp>
-      <p:pic>
-        <p:nvPicPr>
-          <p:cNvPr id="9" name="Imagem 8">
-            <a:extLst>
-              <a:ext uri="{FF2B5EF4-FFF2-40B4-BE49-F238E27FC236}">
-                <a16:creationId xmlns:a16="http://schemas.microsoft.com/office/drawing/2014/main" id="{64D23AE5-6FFE-4D24-8A23-3D28141B4632}"/>
-              </a:ext>
-            </a:extLst>
-          </p:cNvPr>
-          <p:cNvPicPr>
-            <a:picLocks noChangeAspect="1"/>
-          </p:cNvPicPr>
-          <p:nvPr/>
-        </p:nvPicPr>
-        <p:blipFill>
-          <a:blip r:embed="rId2"/>
-          <a:stretch>
-            <a:fillRect/>
-          </a:stretch>
-        </p:blipFill>
-        <p:spPr>
-          <a:xfrm>
-            <a:off x="5309170" y="2268538"/>
-            <a:ext cx="1231673" cy="1739983"/>
-          </a:xfrm>
-          <a:prstGeom prst="rect">
-            <a:avLst/>
-          </a:prstGeom>
-        </p:spPr>
-      </p:pic>
+          <a:p>
+            <a:pPr algn="ctr"/>
+            <a:endParaRPr lang="pt-BR" sz="3200" dirty="0"/>
+          </a:p>
+        </p:txBody>
+      </p:sp>
       <p:cxnSp>
         <p:nvCxnSpPr>
           <p:cNvPr id="17" name="Conector: Curvo 16">
@@ -4159,18 +4365,19 @@
           <p:cNvCxnSpPr>
             <a:cxnSpLocks/>
             <a:stCxn id="8" idx="2"/>
-            <a:endCxn id="4" idx="1"/>
+            <a:endCxn id="10" idx="0"/>
           </p:cNvCxnSpPr>
           <p:nvPr/>
         </p:nvCxnSpPr>
         <p:spPr>
-          <a:xfrm rot="10800000" flipV="1">
-            <a:off x="930705" y="1324405"/>
-            <a:ext cx="3682485" cy="1524364"/>
-          </a:xfrm>
-          <a:prstGeom prst="curvedConnector3">
+          <a:xfrm rot="10800000" flipH="1" flipV="1">
+            <a:off x="4428953" y="1097510"/>
+            <a:ext cx="492211" cy="2197776"/>
+          </a:xfrm>
+          <a:prstGeom prst="curvedConnector4">
             <a:avLst>
-              <a:gd name="adj1" fmla="val 106208"/>
+              <a:gd name="adj1" fmla="val -46443"/>
+              <a:gd name="adj2" fmla="val 62650"/>
             </a:avLst>
           </a:prstGeom>
           <a:ln>
@@ -4203,18 +4410,20 @@
           </p:cNvPr>
           <p:cNvCxnSpPr>
             <a:cxnSpLocks/>
-            <a:stCxn id="9" idx="3"/>
-            <a:endCxn id="5" idx="0"/>
+            <a:stCxn id="8" idx="1"/>
+            <a:endCxn id="11" idx="0"/>
           </p:cNvCxnSpPr>
           <p:nvPr/>
         </p:nvCxnSpPr>
         <p:spPr>
-          <a:xfrm>
-            <a:off x="6540843" y="3138530"/>
-            <a:ext cx="2592774" cy="963913"/>
-          </a:xfrm>
-          <a:prstGeom prst="curvedConnector2">
-            <a:avLst/>
+          <a:xfrm rot="16200000" flipH="1">
+            <a:off x="6790591" y="774737"/>
+            <a:ext cx="1512597" cy="3270249"/>
+          </a:xfrm>
+          <a:prstGeom prst="curvedConnector3">
+            <a:avLst>
+              <a:gd name="adj1" fmla="val 50000"/>
+            </a:avLst>
           </a:prstGeom>
           <a:ln>
             <a:tailEnd type="triangle"/>
@@ -4235,10 +4444,171 @@
           </a:fontRef>
         </p:style>
       </p:cxnSp>
+      <p:pic>
+        <p:nvPicPr>
+          <p:cNvPr id="10" name="Imagem 9">
+            <a:extLst>
+              <a:ext uri="{FF2B5EF4-FFF2-40B4-BE49-F238E27FC236}">
+                <a16:creationId xmlns:a16="http://schemas.microsoft.com/office/drawing/2014/main" id="{738EBDF5-AA55-4E31-88E4-BA0DB7405789}"/>
+              </a:ext>
+            </a:extLst>
+          </p:cNvPr>
+          <p:cNvPicPr>
+            <a:picLocks noChangeAspect="1"/>
+          </p:cNvPicPr>
+          <p:nvPr/>
+        </p:nvPicPr>
+        <p:blipFill>
+          <a:blip r:embed="rId2"/>
+          <a:stretch>
+            <a:fillRect/>
+          </a:stretch>
+        </p:blipFill>
+        <p:spPr>
+          <a:xfrm>
+            <a:off x="3930565" y="3295286"/>
+            <a:ext cx="1981200" cy="2305050"/>
+          </a:xfrm>
+          <a:prstGeom prst="rect">
+            <a:avLst/>
+          </a:prstGeom>
+        </p:spPr>
+      </p:pic>
+      <p:sp>
+        <p:nvSpPr>
+          <p:cNvPr id="11" name="Retângulo: Cantos Arredondados 10">
+            <a:extLst>
+              <a:ext uri="{FF2B5EF4-FFF2-40B4-BE49-F238E27FC236}">
+                <a16:creationId xmlns:a16="http://schemas.microsoft.com/office/drawing/2014/main" id="{67EBC0C3-CE98-469C-BDAD-C0E57677F28D}"/>
+              </a:ext>
+            </a:extLst>
+          </p:cNvPr>
+          <p:cNvSpPr/>
+          <p:nvPr/>
+        </p:nvSpPr>
+        <p:spPr>
+          <a:xfrm>
+            <a:off x="8008122" y="3166161"/>
+            <a:ext cx="2347784" cy="839101"/>
+          </a:xfrm>
+          <a:prstGeom prst="roundRect">
+            <a:avLst/>
+          </a:prstGeom>
+        </p:spPr>
+        <p:style>
+          <a:lnRef idx="2">
+            <a:schemeClr val="accent1">
+              <a:shade val="50000"/>
+            </a:schemeClr>
+          </a:lnRef>
+          <a:fillRef idx="1">
+            <a:schemeClr val="accent1"/>
+          </a:fillRef>
+          <a:effectRef idx="0">
+            <a:schemeClr val="accent1"/>
+          </a:effectRef>
+          <a:fontRef idx="minor">
+            <a:schemeClr val="lt1"/>
+          </a:fontRef>
+        </p:style>
+        <p:txBody>
+          <a:bodyPr rtlCol="0" anchor="ctr"/>
+          <a:lstStyle/>
+          <a:p>
+            <a:pPr algn="ctr"/>
+            <a:r>
+              <a:rPr lang="pt-BR" sz="3200" baseline="-25000" dirty="0"/>
+              <a:t>Schneider Electric</a:t>
+            </a:r>
+            <a:endParaRPr lang="pt-BR" sz="3200" dirty="0"/>
+          </a:p>
+        </p:txBody>
+      </p:sp>
+      <p:cxnSp>
+        <p:nvCxnSpPr>
+          <p:cNvPr id="7" name="Conector: Curvo 6">
+            <a:extLst>
+              <a:ext uri="{FF2B5EF4-FFF2-40B4-BE49-F238E27FC236}">
+                <a16:creationId xmlns:a16="http://schemas.microsoft.com/office/drawing/2014/main" id="{768B3C43-1E83-446A-94EF-FFB12CA34E33}"/>
+              </a:ext>
+            </a:extLst>
+          </p:cNvPr>
+          <p:cNvCxnSpPr>
+            <a:cxnSpLocks/>
+            <a:stCxn id="11" idx="2"/>
+            <a:endCxn id="5" idx="1"/>
+          </p:cNvCxnSpPr>
+          <p:nvPr/>
+        </p:nvCxnSpPr>
+        <p:spPr>
+          <a:xfrm rot="5400000">
+            <a:off x="7459169" y="3991039"/>
+            <a:ext cx="1708623" cy="1737069"/>
+          </a:xfrm>
+          <a:prstGeom prst="curvedConnector4">
+            <a:avLst>
+              <a:gd name="adj1" fmla="val 30687"/>
+              <a:gd name="adj2" fmla="val 113160"/>
+            </a:avLst>
+          </a:prstGeom>
+          <a:ln>
+            <a:tailEnd type="triangle"/>
+          </a:ln>
+        </p:spPr>
+        <p:style>
+          <a:lnRef idx="1">
+            <a:schemeClr val="accent1"/>
+          </a:lnRef>
+          <a:fillRef idx="0">
+            <a:schemeClr val="accent1"/>
+          </a:fillRef>
+          <a:effectRef idx="0">
+            <a:schemeClr val="accent1"/>
+          </a:effectRef>
+          <a:fontRef idx="minor">
+            <a:schemeClr val="tx1"/>
+          </a:fontRef>
+        </p:style>
+      </p:cxnSp>
+      <p:sp>
+        <p:nvSpPr>
+          <p:cNvPr id="19" name="CaixaDeTexto 18">
+            <a:extLst>
+              <a:ext uri="{FF2B5EF4-FFF2-40B4-BE49-F238E27FC236}">
+                <a16:creationId xmlns:a16="http://schemas.microsoft.com/office/drawing/2014/main" id="{C3C3F15C-A6C2-4B40-AE6F-85B558C63121}"/>
+              </a:ext>
+            </a:extLst>
+          </p:cNvPr>
+          <p:cNvSpPr txBox="1"/>
+          <p:nvPr/>
+        </p:nvSpPr>
+        <p:spPr>
+          <a:xfrm>
+            <a:off x="4340438" y="5600336"/>
+            <a:ext cx="813236" cy="369332"/>
+          </a:xfrm>
+          <a:prstGeom prst="rect">
+            <a:avLst/>
+          </a:prstGeom>
+          <a:noFill/>
+        </p:spPr>
+        <p:txBody>
+          <a:bodyPr wrap="none" rtlCol="0">
+            <a:spAutoFit/>
+          </a:bodyPr>
+          <a:lstStyle/>
+          <a:p>
+            <a:r>
+              <a:rPr lang="pt-BR" dirty="0"/>
+              <a:t>cliente</a:t>
+            </a:r>
+          </a:p>
+        </p:txBody>
+      </p:sp>
     </p:spTree>
     <p:extLst>
       <p:ext uri="{BB962C8B-B14F-4D97-AF65-F5344CB8AC3E}">
-        <p14:creationId xmlns:p14="http://schemas.microsoft.com/office/powerpoint/2010/main" val="1355315378"/>
+        <p14:creationId xmlns:p14="http://schemas.microsoft.com/office/powerpoint/2010/main" val="2065355943"/>
       </p:ext>
     </p:extLst>
   </p:cSld>
@@ -4297,10 +4667,6 @@
               <a:rPr lang="pt-BR" sz="3200" b="1" baseline="-25000" dirty="0"/>
               <a:t>Nós operacionais:</a:t>
             </a:r>
-            <a:r>
-              <a:rPr lang="pt-BR" sz="3200" baseline="-25000" dirty="0"/>
-              <a:t> Schneider Electric</a:t>
-            </a:r>
             <a:endParaRPr lang="pt-BR" sz="3200" dirty="0"/>
           </a:p>
         </p:txBody>
@@ -4323,13 +4689,13 @@
         </p:nvSpPr>
         <p:spPr>
           <a:xfrm>
-            <a:off x="6919784" y="4102443"/>
-            <a:ext cx="4427666" cy="1987207"/>
+            <a:off x="7444945" y="5053914"/>
+            <a:ext cx="4260850" cy="1319942"/>
           </a:xfrm>
         </p:spPr>
         <p:txBody>
           <a:bodyPr>
-            <a:normAutofit/>
+            <a:normAutofit fontScale="92500" lnSpcReduction="20000"/>
           </a:bodyPr>
           <a:lstStyle/>
           <a:p>
@@ -4353,17 +4719,29 @@
           </a:p>
           <a:p>
             <a:r>
-              <a:rPr lang="pt-BR" sz="3200" baseline="-25000" dirty="0"/>
-              <a:t>-Manutenção de defeitos</a:t>
-            </a:r>
-            <a:endParaRPr lang="pt-BR" sz="3200" dirty="0"/>
-          </a:p>
-          <a:p>
-            <a:r>
-              <a:rPr lang="pt-BR" sz="3200" baseline="-25000" dirty="0"/>
-              <a:t>-Troca de peças quebradas</a:t>
-            </a:r>
-            <a:endParaRPr lang="pt-BR" sz="3200" dirty="0"/>
+              <a:rPr lang="pt-BR" sz="3200" baseline="-25000" dirty="0">
+                <a:latin typeface="Arial" panose="020B0604020202020204" pitchFamily="34" charset="0"/>
+                <a:cs typeface="Arial" panose="020B0604020202020204" pitchFamily="34" charset="0"/>
+              </a:rPr>
+              <a:t>-Presta suporte para manutenção </a:t>
+            </a:r>
+            <a:endParaRPr lang="pt-BR" sz="3200" dirty="0">
+              <a:latin typeface="Arial" panose="020B0604020202020204" pitchFamily="34" charset="0"/>
+              <a:cs typeface="Arial" panose="020B0604020202020204" pitchFamily="34" charset="0"/>
+            </a:endParaRPr>
+          </a:p>
+          <a:p>
+            <a:r>
+              <a:rPr lang="pt-BR" sz="3200" baseline="-25000" dirty="0">
+                <a:latin typeface="Arial" panose="020B0604020202020204" pitchFamily="34" charset="0"/>
+                <a:cs typeface="Arial" panose="020B0604020202020204" pitchFamily="34" charset="0"/>
+              </a:rPr>
+              <a:t>- Reparo da rede</a:t>
+            </a:r>
+            <a:endParaRPr lang="pt-BR" sz="3200" dirty="0">
+              <a:latin typeface="Arial" panose="020B0604020202020204" pitchFamily="34" charset="0"/>
+              <a:cs typeface="Arial" panose="020B0604020202020204" pitchFamily="34" charset="0"/>
+            </a:endParaRPr>
           </a:p>
           <a:p>
             <a:endParaRPr lang="pt-BR" dirty="0"/>
@@ -4384,7 +4762,7 @@
         </p:nvSpPr>
         <p:spPr>
           <a:xfrm>
-            <a:off x="4477264" y="768350"/>
+            <a:off x="4428954" y="541455"/>
             <a:ext cx="2965622" cy="1112109"/>
           </a:xfrm>
           <a:prstGeom prst="round2DiagRect">
@@ -4418,46 +4796,12 @@
             </a:r>
             <a:r>
               <a:rPr lang="pt-BR" sz="3200" baseline="-25000" dirty="0"/>
-              <a:t>: Troca de peças com defeito</a:t>
+              <a:t>: suporte técnico</a:t>
             </a:r>
             <a:endParaRPr lang="pt-BR" sz="3200" dirty="0"/>
           </a:p>
-          <a:p>
-            <a:pPr algn="ctr"/>
-            <a:endParaRPr lang="pt-BR" sz="2400" dirty="0"/>
-          </a:p>
-        </p:txBody>
-      </p:sp>
-      <p:pic>
-        <p:nvPicPr>
-          <p:cNvPr id="9" name="Imagem 8">
-            <a:extLst>
-              <a:ext uri="{FF2B5EF4-FFF2-40B4-BE49-F238E27FC236}">
-                <a16:creationId xmlns:a16="http://schemas.microsoft.com/office/drawing/2014/main" id="{64D23AE5-6FFE-4D24-8A23-3D28141B4632}"/>
-              </a:ext>
-            </a:extLst>
-          </p:cNvPr>
-          <p:cNvPicPr>
-            <a:picLocks noChangeAspect="1"/>
-          </p:cNvPicPr>
-          <p:nvPr/>
-        </p:nvPicPr>
-        <p:blipFill>
-          <a:blip r:embed="rId2"/>
-          <a:stretch>
-            <a:fillRect/>
-          </a:stretch>
-        </p:blipFill>
-        <p:spPr>
-          <a:xfrm>
-            <a:off x="5480163" y="2086587"/>
-            <a:ext cx="1231673" cy="1739983"/>
-          </a:xfrm>
-          <a:prstGeom prst="rect">
-            <a:avLst/>
-          </a:prstGeom>
-        </p:spPr>
-      </p:pic>
+        </p:txBody>
+      </p:sp>
       <p:cxnSp>
         <p:nvCxnSpPr>
           <p:cNvPr id="17" name="Conector: Curvo 16">
@@ -4470,18 +4814,19 @@
           <p:cNvCxnSpPr>
             <a:cxnSpLocks/>
             <a:stCxn id="8" idx="2"/>
-            <a:endCxn id="4" idx="1"/>
+            <a:endCxn id="10" idx="0"/>
           </p:cNvCxnSpPr>
           <p:nvPr/>
         </p:nvCxnSpPr>
         <p:spPr>
-          <a:xfrm rot="10800000" flipV="1">
-            <a:off x="930704" y="1324405"/>
-            <a:ext cx="3546560" cy="1524364"/>
-          </a:xfrm>
-          <a:prstGeom prst="curvedConnector3">
+          <a:xfrm rot="10800000" flipH="1" flipV="1">
+            <a:off x="4428953" y="1097510"/>
+            <a:ext cx="492211" cy="2197776"/>
+          </a:xfrm>
+          <a:prstGeom prst="curvedConnector4">
             <a:avLst>
-              <a:gd name="adj1" fmla="val 106446"/>
+              <a:gd name="adj1" fmla="val -46443"/>
+              <a:gd name="adj2" fmla="val 62650"/>
             </a:avLst>
           </a:prstGeom>
           <a:ln>
@@ -4514,18 +4859,20 @@
           </p:cNvPr>
           <p:cNvCxnSpPr>
             <a:cxnSpLocks/>
-            <a:stCxn id="9" idx="3"/>
-            <a:endCxn id="5" idx="0"/>
+            <a:stCxn id="8" idx="1"/>
+            <a:endCxn id="11" idx="0"/>
           </p:cNvCxnSpPr>
           <p:nvPr/>
         </p:nvCxnSpPr>
         <p:spPr>
-          <a:xfrm>
-            <a:off x="6711836" y="2956579"/>
-            <a:ext cx="2421781" cy="1145864"/>
-          </a:xfrm>
-          <a:prstGeom prst="curvedConnector2">
-            <a:avLst/>
+          <a:xfrm rot="16200000" flipH="1">
+            <a:off x="6790591" y="774737"/>
+            <a:ext cx="1512596" cy="3270249"/>
+          </a:xfrm>
+          <a:prstGeom prst="curvedConnector3">
+            <a:avLst>
+              <a:gd name="adj1" fmla="val 50000"/>
+            </a:avLst>
           </a:prstGeom>
           <a:ln>
             <a:tailEnd type="triangle"/>
@@ -4546,147 +4893,42 @@
           </a:fontRef>
         </p:style>
       </p:cxnSp>
-    </p:spTree>
-    <p:extLst>
-      <p:ext uri="{BB962C8B-B14F-4D97-AF65-F5344CB8AC3E}">
-        <p14:creationId xmlns:p14="http://schemas.microsoft.com/office/powerpoint/2010/main" val="1022653852"/>
-      </p:ext>
-    </p:extLst>
-  </p:cSld>
-  <p:clrMapOvr>
-    <a:masterClrMapping/>
-  </p:clrMapOvr>
-</p:sld>
-</file>
-
-<file path=ppt/slides/slide5.xml><?xml version="1.0" encoding="utf-8"?>
-<p:sld xmlns:a="http://schemas.openxmlformats.org/drawingml/2006/main" xmlns:r="http://schemas.openxmlformats.org/officeDocument/2006/relationships" xmlns:p="http://schemas.openxmlformats.org/presentationml/2006/main">
-  <p:cSld>
-    <p:spTree>
-      <p:nvGrpSpPr>
-        <p:cNvPr id="1" name=""/>
-        <p:cNvGrpSpPr/>
-        <p:nvPr/>
-      </p:nvGrpSpPr>
-      <p:grpSpPr>
-        <a:xfrm>
-          <a:off x="0" y="0"/>
-          <a:ext cx="0" cy="0"/>
-          <a:chOff x="0" y="0"/>
-          <a:chExt cx="0" cy="0"/>
-        </a:xfrm>
-      </p:grpSpPr>
-      <p:sp>
-        <p:nvSpPr>
-          <p:cNvPr id="4" name="Título 3">
-            <a:extLst>
-              <a:ext uri="{FF2B5EF4-FFF2-40B4-BE49-F238E27FC236}">
-                <a16:creationId xmlns:a16="http://schemas.microsoft.com/office/drawing/2014/main" id="{154BE184-77E0-4C4C-B782-F8915948C69A}"/>
-              </a:ext>
-            </a:extLst>
-          </p:cNvPr>
-          <p:cNvSpPr>
-            <a:spLocks noGrp="1"/>
-          </p:cNvSpPr>
-          <p:nvPr>
-            <p:ph type="title"/>
-          </p:nvPr>
-        </p:nvSpPr>
+      <p:pic>
+        <p:nvPicPr>
+          <p:cNvPr id="10" name="Imagem 9">
+            <a:extLst>
+              <a:ext uri="{FF2B5EF4-FFF2-40B4-BE49-F238E27FC236}">
+                <a16:creationId xmlns:a16="http://schemas.microsoft.com/office/drawing/2014/main" id="{738EBDF5-AA55-4E31-88E4-BA0DB7405789}"/>
+              </a:ext>
+            </a:extLst>
+          </p:cNvPr>
+          <p:cNvPicPr>
+            <a:picLocks noChangeAspect="1"/>
+          </p:cNvPicPr>
+          <p:nvPr/>
+        </p:nvPicPr>
+        <p:blipFill>
+          <a:blip r:embed="rId2"/>
+          <a:stretch>
+            <a:fillRect/>
+          </a:stretch>
+        </p:blipFill>
         <p:spPr>
           <a:xfrm>
-            <a:off x="930704" y="2268538"/>
-            <a:ext cx="9584896" cy="1160462"/>
-          </a:xfrm>
-        </p:spPr>
-        <p:txBody>
-          <a:bodyPr>
-            <a:normAutofit/>
-          </a:bodyPr>
-          <a:lstStyle/>
-          <a:p>
-            <a:r>
-              <a:rPr lang="pt-BR" sz="3200" b="1" baseline="-25000" dirty="0"/>
-              <a:t>Nós operacionais:</a:t>
-            </a:r>
-            <a:r>
-              <a:rPr lang="pt-BR" sz="3200" baseline="-25000" dirty="0"/>
-              <a:t> Schneider Electric</a:t>
-            </a:r>
-            <a:endParaRPr lang="pt-BR" sz="3200" dirty="0"/>
-          </a:p>
-        </p:txBody>
-      </p:sp>
-      <p:sp>
-        <p:nvSpPr>
-          <p:cNvPr id="5" name="Espaço Reservado para Texto 4">
-            <a:extLst>
-              <a:ext uri="{FF2B5EF4-FFF2-40B4-BE49-F238E27FC236}">
-                <a16:creationId xmlns:a16="http://schemas.microsoft.com/office/drawing/2014/main" id="{5F4E15AA-0BCD-4670-B2F5-8636580C97A4}"/>
-              </a:ext>
-            </a:extLst>
-          </p:cNvPr>
-          <p:cNvSpPr>
-            <a:spLocks noGrp="1"/>
-          </p:cNvSpPr>
-          <p:nvPr>
-            <p:ph type="body" idx="1"/>
-          </p:nvPr>
-        </p:nvSpPr>
-        <p:spPr>
-          <a:xfrm>
-            <a:off x="6919784" y="4102443"/>
-            <a:ext cx="4427666" cy="1987207"/>
-          </a:xfrm>
-        </p:spPr>
-        <p:txBody>
-          <a:bodyPr>
-            <a:normAutofit/>
-          </a:bodyPr>
-          <a:lstStyle/>
-          <a:p>
-            <a:r>
-              <a:rPr lang="pt-BR" sz="3200" baseline="-25000" dirty="0">
-                <a:solidFill>
-                  <a:schemeClr val="tx1"/>
-                </a:solidFill>
-                <a:latin typeface="Arial" panose="020B0604020202020204" pitchFamily="34" charset="0"/>
-                <a:cs typeface="Arial" panose="020B0604020202020204" pitchFamily="34" charset="0"/>
-              </a:rPr>
-              <a:t>Capacidade:</a:t>
-            </a:r>
-            <a:endParaRPr lang="pt-BR" sz="3200" dirty="0">
-              <a:solidFill>
-                <a:schemeClr val="tx1"/>
-              </a:solidFill>
-              <a:latin typeface="Arial" panose="020B0604020202020204" pitchFamily="34" charset="0"/>
-              <a:cs typeface="Arial" panose="020B0604020202020204" pitchFamily="34" charset="0"/>
-            </a:endParaRPr>
-          </a:p>
-          <a:p>
-            <a:r>
-              <a:rPr lang="pt-BR" sz="3200" baseline="-25000" dirty="0"/>
-              <a:t>-Manutenção de defeitos</a:t>
-            </a:r>
-            <a:endParaRPr lang="pt-BR" sz="3200" dirty="0"/>
-          </a:p>
-          <a:p>
-            <a:r>
-              <a:rPr lang="pt-BR" sz="3200" baseline="-25000" dirty="0"/>
-              <a:t>-Troca de peças quebradas</a:t>
-            </a:r>
-            <a:endParaRPr lang="pt-BR" sz="3200" dirty="0"/>
-          </a:p>
-          <a:p>
-            <a:endParaRPr lang="pt-BR" dirty="0"/>
-          </a:p>
-        </p:txBody>
-      </p:sp>
-      <p:sp>
-        <p:nvSpPr>
-          <p:cNvPr id="8" name="Retângulo: Cantos Diagonais Arredondados 7">
-            <a:extLst>
-              <a:ext uri="{FF2B5EF4-FFF2-40B4-BE49-F238E27FC236}">
-                <a16:creationId xmlns:a16="http://schemas.microsoft.com/office/drawing/2014/main" id="{E9FE70E4-667C-4E8B-93FD-53AF743B9599}"/>
+            <a:off x="3930565" y="3295286"/>
+            <a:ext cx="1981200" cy="2305050"/>
+          </a:xfrm>
+          <a:prstGeom prst="rect">
+            <a:avLst/>
+          </a:prstGeom>
+        </p:spPr>
+      </p:pic>
+      <p:sp>
+        <p:nvSpPr>
+          <p:cNvPr id="11" name="Retângulo: Cantos Arredondados 10">
+            <a:extLst>
+              <a:ext uri="{FF2B5EF4-FFF2-40B4-BE49-F238E27FC236}">
+                <a16:creationId xmlns:a16="http://schemas.microsoft.com/office/drawing/2014/main" id="{67EBC0C3-CE98-469C-BDAD-C0E57677F28D}"/>
               </a:ext>
             </a:extLst>
           </p:cNvPr>
@@ -4695,10 +4937,10 @@
         </p:nvSpPr>
         <p:spPr>
           <a:xfrm>
-            <a:off x="4477264" y="768350"/>
-            <a:ext cx="2965622" cy="1112109"/>
-          </a:xfrm>
-          <a:prstGeom prst="round2DiagRect">
+            <a:off x="8008122" y="3166160"/>
+            <a:ext cx="2347784" cy="839101"/>
+          </a:xfrm>
+          <a:prstGeom prst="roundRect">
             <a:avLst/>
           </a:prstGeom>
         </p:spPr>
@@ -4724,75 +4966,38 @@
           <a:p>
             <a:pPr algn="ctr"/>
             <a:r>
-              <a:rPr lang="pt-BR" sz="3200" b="1" baseline="-25000" dirty="0"/>
-              <a:t>cenário</a:t>
-            </a:r>
-            <a:r>
               <a:rPr lang="pt-BR" sz="3200" baseline="-25000" dirty="0"/>
-              <a:t>: Troca de peças com defeito</a:t>
+              <a:t>Setor Técnico</a:t>
             </a:r>
             <a:endParaRPr lang="pt-BR" sz="3200" dirty="0"/>
           </a:p>
-          <a:p>
-            <a:pPr algn="ctr"/>
-            <a:endParaRPr lang="pt-BR" sz="2400" dirty="0"/>
-          </a:p>
-        </p:txBody>
-      </p:sp>
-      <p:pic>
-        <p:nvPicPr>
-          <p:cNvPr id="9" name="Imagem 8">
-            <a:extLst>
-              <a:ext uri="{FF2B5EF4-FFF2-40B4-BE49-F238E27FC236}">
-                <a16:creationId xmlns:a16="http://schemas.microsoft.com/office/drawing/2014/main" id="{64D23AE5-6FFE-4D24-8A23-3D28141B4632}"/>
-              </a:ext>
-            </a:extLst>
-          </p:cNvPr>
-          <p:cNvPicPr>
-            <a:picLocks noChangeAspect="1"/>
-          </p:cNvPicPr>
-          <p:nvPr/>
-        </p:nvPicPr>
-        <p:blipFill>
-          <a:blip r:embed="rId2"/>
-          <a:stretch>
-            <a:fillRect/>
-          </a:stretch>
-        </p:blipFill>
-        <p:spPr>
-          <a:xfrm>
-            <a:off x="5107315" y="2268538"/>
-            <a:ext cx="1231673" cy="1739983"/>
-          </a:xfrm>
-          <a:prstGeom prst="rect">
-            <a:avLst/>
-          </a:prstGeom>
-        </p:spPr>
-      </p:pic>
+        </p:txBody>
+      </p:sp>
       <p:cxnSp>
         <p:nvCxnSpPr>
-          <p:cNvPr id="17" name="Conector: Curvo 16">
-            <a:extLst>
-              <a:ext uri="{FF2B5EF4-FFF2-40B4-BE49-F238E27FC236}">
-                <a16:creationId xmlns:a16="http://schemas.microsoft.com/office/drawing/2014/main" id="{5C7E3894-BDA1-47A2-BD32-8A1DD74EBB43}"/>
+          <p:cNvPr id="7" name="Conector: Curvo 6">
+            <a:extLst>
+              <a:ext uri="{FF2B5EF4-FFF2-40B4-BE49-F238E27FC236}">
+                <a16:creationId xmlns:a16="http://schemas.microsoft.com/office/drawing/2014/main" id="{768B3C43-1E83-446A-94EF-FFB12CA34E33}"/>
               </a:ext>
             </a:extLst>
           </p:cNvPr>
           <p:cNvCxnSpPr>
             <a:cxnSpLocks/>
-            <a:stCxn id="8" idx="2"/>
-            <a:endCxn id="4" idx="1"/>
+            <a:stCxn id="11" idx="2"/>
+            <a:endCxn id="5" idx="1"/>
           </p:cNvCxnSpPr>
           <p:nvPr/>
         </p:nvCxnSpPr>
         <p:spPr>
-          <a:xfrm rot="10800000" flipV="1">
-            <a:off x="930704" y="1324405"/>
-            <a:ext cx="3546560" cy="1524364"/>
-          </a:xfrm>
-          <a:prstGeom prst="curvedConnector3">
+          <a:xfrm rot="5400000">
+            <a:off x="7459168" y="3991039"/>
+            <a:ext cx="1708624" cy="1737069"/>
+          </a:xfrm>
+          <a:prstGeom prst="curvedConnector4">
             <a:avLst>
-              <a:gd name="adj1" fmla="val 106446"/>
+              <a:gd name="adj1" fmla="val 30687"/>
+              <a:gd name="adj2" fmla="val 113160"/>
             </a:avLst>
           </a:prstGeom>
           <a:ln>
@@ -4814,381 +5019,45 @@
           </a:fontRef>
         </p:style>
       </p:cxnSp>
-      <p:cxnSp>
-        <p:nvCxnSpPr>
-          <p:cNvPr id="22" name="Conector: Curvo 21">
-            <a:extLst>
-              <a:ext uri="{FF2B5EF4-FFF2-40B4-BE49-F238E27FC236}">
-                <a16:creationId xmlns:a16="http://schemas.microsoft.com/office/drawing/2014/main" id="{367E8CE4-B065-43C6-981F-4F3DFF02BAE8}"/>
-              </a:ext>
-            </a:extLst>
-          </p:cNvPr>
-          <p:cNvCxnSpPr>
-            <a:cxnSpLocks/>
-            <a:stCxn id="9" idx="3"/>
-            <a:endCxn id="5" idx="0"/>
-          </p:cNvCxnSpPr>
+      <p:sp>
+        <p:nvSpPr>
+          <p:cNvPr id="19" name="CaixaDeTexto 18">
+            <a:extLst>
+              <a:ext uri="{FF2B5EF4-FFF2-40B4-BE49-F238E27FC236}">
+                <a16:creationId xmlns:a16="http://schemas.microsoft.com/office/drawing/2014/main" id="{C3C3F15C-A6C2-4B40-AE6F-85B558C63121}"/>
+              </a:ext>
+            </a:extLst>
+          </p:cNvPr>
+          <p:cNvSpPr txBox="1"/>
           <p:nvPr/>
-        </p:nvCxnSpPr>
+        </p:nvSpPr>
         <p:spPr>
           <a:xfrm>
-            <a:off x="6338988" y="3138530"/>
-            <a:ext cx="2794629" cy="963913"/>
-          </a:xfrm>
-          <a:prstGeom prst="curvedConnector2">
+            <a:off x="4340438" y="5600336"/>
+            <a:ext cx="813236" cy="369332"/>
+          </a:xfrm>
+          <a:prstGeom prst="rect">
             <a:avLst/>
           </a:prstGeom>
-          <a:ln>
-            <a:tailEnd type="triangle"/>
-          </a:ln>
-        </p:spPr>
-        <p:style>
-          <a:lnRef idx="1">
-            <a:schemeClr val="accent1"/>
-          </a:lnRef>
-          <a:fillRef idx="0">
-            <a:schemeClr val="accent1"/>
-          </a:fillRef>
-          <a:effectRef idx="0">
-            <a:schemeClr val="accent1"/>
-          </a:effectRef>
-          <a:fontRef idx="minor">
-            <a:schemeClr val="tx1"/>
-          </a:fontRef>
-        </p:style>
-      </p:cxnSp>
+          <a:noFill/>
+        </p:spPr>
+        <p:txBody>
+          <a:bodyPr wrap="none" rtlCol="0">
+            <a:spAutoFit/>
+          </a:bodyPr>
+          <a:lstStyle/>
+          <a:p>
+            <a:r>
+              <a:rPr lang="pt-BR" dirty="0"/>
+              <a:t>cliente</a:t>
+            </a:r>
+          </a:p>
+        </p:txBody>
+      </p:sp>
     </p:spTree>
     <p:extLst>
       <p:ext uri="{BB962C8B-B14F-4D97-AF65-F5344CB8AC3E}">
-        <p14:creationId xmlns:p14="http://schemas.microsoft.com/office/powerpoint/2010/main" val="1310287358"/>
-      </p:ext>
-    </p:extLst>
-  </p:cSld>
-  <p:clrMapOvr>
-    <a:masterClrMapping/>
-  </p:clrMapOvr>
-</p:sld>
-</file>
-
-<file path=ppt/slides/slide6.xml><?xml version="1.0" encoding="utf-8"?>
-<p:sld xmlns:a="http://schemas.openxmlformats.org/drawingml/2006/main" xmlns:r="http://schemas.openxmlformats.org/officeDocument/2006/relationships" xmlns:p="http://schemas.openxmlformats.org/presentationml/2006/main">
-  <p:cSld>
-    <p:spTree>
-      <p:nvGrpSpPr>
-        <p:cNvPr id="1" name=""/>
-        <p:cNvGrpSpPr/>
-        <p:nvPr/>
-      </p:nvGrpSpPr>
-      <p:grpSpPr>
-        <a:xfrm>
-          <a:off x="0" y="0"/>
-          <a:ext cx="0" cy="0"/>
-          <a:chOff x="0" y="0"/>
-          <a:chExt cx="0" cy="0"/>
-        </a:xfrm>
-      </p:grpSpPr>
-      <p:sp>
-        <p:nvSpPr>
-          <p:cNvPr id="4" name="Título 3">
-            <a:extLst>
-              <a:ext uri="{FF2B5EF4-FFF2-40B4-BE49-F238E27FC236}">
-                <a16:creationId xmlns:a16="http://schemas.microsoft.com/office/drawing/2014/main" id="{154BE184-77E0-4C4C-B782-F8915948C69A}"/>
-              </a:ext>
-            </a:extLst>
-          </p:cNvPr>
-          <p:cNvSpPr>
-            <a:spLocks noGrp="1"/>
-          </p:cNvSpPr>
-          <p:nvPr>
-            <p:ph type="title"/>
-          </p:nvPr>
-        </p:nvSpPr>
-        <p:spPr>
-          <a:xfrm>
-            <a:off x="930704" y="2268538"/>
-            <a:ext cx="9584896" cy="1426132"/>
-          </a:xfrm>
-        </p:spPr>
-        <p:txBody>
-          <a:bodyPr>
-            <a:normAutofit/>
-          </a:bodyPr>
-          <a:lstStyle/>
-          <a:p>
-            <a:r>
-              <a:rPr lang="pt-BR" sz="3200" b="1" baseline="-25000" dirty="0">
-                <a:latin typeface="Arial" panose="020B0604020202020204" pitchFamily="34" charset="0"/>
-                <a:cs typeface="Arial" panose="020B0604020202020204" pitchFamily="34" charset="0"/>
-              </a:rPr>
-              <a:t>Nós operacionais:</a:t>
-            </a:r>
-            <a:r>
-              <a:rPr lang="pt-BR" sz="3200" baseline="-25000" dirty="0">
-                <a:latin typeface="Arial" panose="020B0604020202020204" pitchFamily="34" charset="0"/>
-                <a:cs typeface="Arial" panose="020B0604020202020204" pitchFamily="34" charset="0"/>
-              </a:rPr>
-              <a:t> técnico</a:t>
-            </a:r>
-            <a:br>
-              <a:rPr lang="pt-BR" dirty="0"/>
-            </a:br>
-            <a:endParaRPr lang="pt-BR" sz="3200" dirty="0"/>
-          </a:p>
-        </p:txBody>
-      </p:sp>
-      <p:sp>
-        <p:nvSpPr>
-          <p:cNvPr id="5" name="Espaço Reservado para Texto 4">
-            <a:extLst>
-              <a:ext uri="{FF2B5EF4-FFF2-40B4-BE49-F238E27FC236}">
-                <a16:creationId xmlns:a16="http://schemas.microsoft.com/office/drawing/2014/main" id="{5F4E15AA-0BCD-4670-B2F5-8636580C97A4}"/>
-              </a:ext>
-            </a:extLst>
-          </p:cNvPr>
-          <p:cNvSpPr>
-            <a:spLocks noGrp="1"/>
-          </p:cNvSpPr>
-          <p:nvPr>
-            <p:ph type="body" idx="1"/>
-          </p:nvPr>
-        </p:nvSpPr>
-        <p:spPr>
-          <a:xfrm>
-            <a:off x="6919784" y="4102443"/>
-            <a:ext cx="4427666" cy="1987207"/>
-          </a:xfrm>
-        </p:spPr>
-        <p:txBody>
-          <a:bodyPr>
-            <a:normAutofit/>
-          </a:bodyPr>
-          <a:lstStyle/>
-          <a:p>
-            <a:r>
-              <a:rPr lang="pt-BR" sz="3200" baseline="-25000" dirty="0">
-                <a:solidFill>
-                  <a:schemeClr val="tx1"/>
-                </a:solidFill>
-                <a:latin typeface="Arial" panose="020B0604020202020204" pitchFamily="34" charset="0"/>
-                <a:cs typeface="Arial" panose="020B0604020202020204" pitchFamily="34" charset="0"/>
-              </a:rPr>
-              <a:t>Capacidade:</a:t>
-            </a:r>
-            <a:endParaRPr lang="pt-BR" sz="3200" dirty="0">
-              <a:solidFill>
-                <a:schemeClr val="tx1"/>
-              </a:solidFill>
-              <a:latin typeface="Arial" panose="020B0604020202020204" pitchFamily="34" charset="0"/>
-              <a:cs typeface="Arial" panose="020B0604020202020204" pitchFamily="34" charset="0"/>
-            </a:endParaRPr>
-          </a:p>
-          <a:p>
-            <a:r>
-              <a:rPr lang="pt-BR" sz="3200" baseline="-25000" dirty="0">
-                <a:latin typeface="Arial" panose="020B0604020202020204" pitchFamily="34" charset="0"/>
-                <a:cs typeface="Arial" panose="020B0604020202020204" pitchFamily="34" charset="0"/>
-              </a:rPr>
-              <a:t>-Presta suporte para manutenção </a:t>
-            </a:r>
-            <a:endParaRPr lang="pt-BR" sz="3200" dirty="0">
-              <a:latin typeface="Arial" panose="020B0604020202020204" pitchFamily="34" charset="0"/>
-              <a:cs typeface="Arial" panose="020B0604020202020204" pitchFamily="34" charset="0"/>
-            </a:endParaRPr>
-          </a:p>
-          <a:p>
-            <a:r>
-              <a:rPr lang="pt-BR" sz="3200" baseline="-25000" dirty="0">
-                <a:latin typeface="Arial" panose="020B0604020202020204" pitchFamily="34" charset="0"/>
-                <a:cs typeface="Arial" panose="020B0604020202020204" pitchFamily="34" charset="0"/>
-              </a:rPr>
-              <a:t>- Reparo da rede</a:t>
-            </a:r>
-            <a:endParaRPr lang="pt-BR" sz="3200" dirty="0">
-              <a:latin typeface="Arial" panose="020B0604020202020204" pitchFamily="34" charset="0"/>
-              <a:cs typeface="Arial" panose="020B0604020202020204" pitchFamily="34" charset="0"/>
-            </a:endParaRPr>
-          </a:p>
-          <a:p>
-            <a:endParaRPr lang="pt-BR" dirty="0"/>
-          </a:p>
-        </p:txBody>
-      </p:sp>
-      <p:sp>
-        <p:nvSpPr>
-          <p:cNvPr id="8" name="Retângulo: Cantos Diagonais Arredondados 7">
-            <a:extLst>
-              <a:ext uri="{FF2B5EF4-FFF2-40B4-BE49-F238E27FC236}">
-                <a16:creationId xmlns:a16="http://schemas.microsoft.com/office/drawing/2014/main" id="{E9FE70E4-667C-4E8B-93FD-53AF743B9599}"/>
-              </a:ext>
-            </a:extLst>
-          </p:cNvPr>
-          <p:cNvSpPr/>
-          <p:nvPr/>
-        </p:nvSpPr>
-        <p:spPr>
-          <a:xfrm>
-            <a:off x="4477264" y="768350"/>
-            <a:ext cx="2965622" cy="1112109"/>
-          </a:xfrm>
-          <a:prstGeom prst="round2DiagRect">
-            <a:avLst/>
-          </a:prstGeom>
-        </p:spPr>
-        <p:style>
-          <a:lnRef idx="2">
-            <a:schemeClr val="accent1">
-              <a:shade val="50000"/>
-            </a:schemeClr>
-          </a:lnRef>
-          <a:fillRef idx="1">
-            <a:schemeClr val="accent1"/>
-          </a:fillRef>
-          <a:effectRef idx="0">
-            <a:schemeClr val="accent1"/>
-          </a:effectRef>
-          <a:fontRef idx="minor">
-            <a:schemeClr val="lt1"/>
-          </a:fontRef>
-        </p:style>
-        <p:txBody>
-          <a:bodyPr rtlCol="0" anchor="ctr"/>
-          <a:lstStyle/>
-          <a:p>
-            <a:pPr algn="ctr"/>
-            <a:r>
-              <a:rPr lang="pt-BR" sz="3200" b="1" baseline="-25000" dirty="0"/>
-              <a:t>cenário</a:t>
-            </a:r>
-            <a:r>
-              <a:rPr lang="pt-BR" sz="3200" baseline="-25000" dirty="0"/>
-              <a:t>: suporte técnico</a:t>
-            </a:r>
-            <a:endParaRPr lang="pt-BR" sz="3200" dirty="0"/>
-          </a:p>
-        </p:txBody>
-      </p:sp>
-      <p:pic>
-        <p:nvPicPr>
-          <p:cNvPr id="9" name="Imagem 8">
-            <a:extLst>
-              <a:ext uri="{FF2B5EF4-FFF2-40B4-BE49-F238E27FC236}">
-                <a16:creationId xmlns:a16="http://schemas.microsoft.com/office/drawing/2014/main" id="{64D23AE5-6FFE-4D24-8A23-3D28141B4632}"/>
-              </a:ext>
-            </a:extLst>
-          </p:cNvPr>
-          <p:cNvPicPr>
-            <a:picLocks noChangeAspect="1"/>
-          </p:cNvPicPr>
-          <p:nvPr/>
-        </p:nvPicPr>
-        <p:blipFill>
-          <a:blip r:embed="rId2"/>
-          <a:stretch>
-            <a:fillRect/>
-          </a:stretch>
-        </p:blipFill>
-        <p:spPr>
-          <a:xfrm>
-            <a:off x="4864327" y="2342766"/>
-            <a:ext cx="1231673" cy="1739983"/>
-          </a:xfrm>
-          <a:prstGeom prst="rect">
-            <a:avLst/>
-          </a:prstGeom>
-        </p:spPr>
-      </p:pic>
-      <p:cxnSp>
-        <p:nvCxnSpPr>
-          <p:cNvPr id="17" name="Conector: Curvo 16">
-            <a:extLst>
-              <a:ext uri="{FF2B5EF4-FFF2-40B4-BE49-F238E27FC236}">
-                <a16:creationId xmlns:a16="http://schemas.microsoft.com/office/drawing/2014/main" id="{5C7E3894-BDA1-47A2-BD32-8A1DD74EBB43}"/>
-              </a:ext>
-            </a:extLst>
-          </p:cNvPr>
-          <p:cNvCxnSpPr>
-            <a:cxnSpLocks/>
-            <a:stCxn id="8" idx="2"/>
-            <a:endCxn id="4" idx="1"/>
-          </p:cNvCxnSpPr>
-          <p:nvPr/>
-        </p:nvCxnSpPr>
-        <p:spPr>
-          <a:xfrm rot="10800000" flipV="1">
-            <a:off x="930704" y="1324404"/>
-            <a:ext cx="3546560" cy="1657199"/>
-          </a:xfrm>
-          <a:prstGeom prst="curvedConnector3">
-            <a:avLst>
-              <a:gd name="adj1" fmla="val 106446"/>
-            </a:avLst>
-          </a:prstGeom>
-          <a:ln>
-            <a:tailEnd type="triangle"/>
-          </a:ln>
-        </p:spPr>
-        <p:style>
-          <a:lnRef idx="1">
-            <a:schemeClr val="accent1"/>
-          </a:lnRef>
-          <a:fillRef idx="0">
-            <a:schemeClr val="accent1"/>
-          </a:fillRef>
-          <a:effectRef idx="0">
-            <a:schemeClr val="accent1"/>
-          </a:effectRef>
-          <a:fontRef idx="minor">
-            <a:schemeClr val="tx1"/>
-          </a:fontRef>
-        </p:style>
-      </p:cxnSp>
-      <p:cxnSp>
-        <p:nvCxnSpPr>
-          <p:cNvPr id="22" name="Conector: Curvo 21">
-            <a:extLst>
-              <a:ext uri="{FF2B5EF4-FFF2-40B4-BE49-F238E27FC236}">
-                <a16:creationId xmlns:a16="http://schemas.microsoft.com/office/drawing/2014/main" id="{367E8CE4-B065-43C6-981F-4F3DFF02BAE8}"/>
-              </a:ext>
-            </a:extLst>
-          </p:cNvPr>
-          <p:cNvCxnSpPr>
-            <a:cxnSpLocks/>
-            <a:stCxn id="9" idx="3"/>
-            <a:endCxn id="5" idx="0"/>
-          </p:cNvCxnSpPr>
-          <p:nvPr/>
-        </p:nvCxnSpPr>
-        <p:spPr>
-          <a:xfrm>
-            <a:off x="6096000" y="3212758"/>
-            <a:ext cx="3037617" cy="889685"/>
-          </a:xfrm>
-          <a:prstGeom prst="curvedConnector2">
-            <a:avLst/>
-          </a:prstGeom>
-          <a:ln>
-            <a:tailEnd type="triangle"/>
-          </a:ln>
-        </p:spPr>
-        <p:style>
-          <a:lnRef idx="1">
-            <a:schemeClr val="accent1"/>
-          </a:lnRef>
-          <a:fillRef idx="0">
-            <a:schemeClr val="accent1"/>
-          </a:fillRef>
-          <a:effectRef idx="0">
-            <a:schemeClr val="accent1"/>
-          </a:effectRef>
-          <a:fontRef idx="minor">
-            <a:schemeClr val="tx1"/>
-          </a:fontRef>
-        </p:style>
-      </p:cxnSp>
-    </p:spTree>
-    <p:extLst>
-      <p:ext uri="{BB962C8B-B14F-4D97-AF65-F5344CB8AC3E}">
-        <p14:creationId xmlns:p14="http://schemas.microsoft.com/office/powerpoint/2010/main" val="1648361970"/>
+        <p14:creationId xmlns:p14="http://schemas.microsoft.com/office/powerpoint/2010/main" val="3806184629"/>
       </p:ext>
     </p:extLst>
   </p:cSld>

--- a/15.1 Arquitetura de Negócio para cada Cenário.pptx
+++ b/15.1 Arquitetura de Negócio para cada Cenário.pptx
@@ -3817,7 +3817,7 @@
         </p:spPr>
         <p:txBody>
           <a:bodyPr>
-            <a:normAutofit fontScale="92500" lnSpcReduction="20000"/>
+            <a:normAutofit/>
           </a:bodyPr>
           <a:lstStyle/>
           <a:p>
@@ -3844,13 +3844,8 @@
               <a:rPr lang="pt-BR" sz="3200" baseline="-25000" dirty="0"/>
               <a:t>-Peças novas para vendedores</a:t>
             </a:r>
-            <a:endParaRPr lang="pt-BR" sz="3200" dirty="0"/>
-          </a:p>
-          <a:p>
-            <a:r>
-              <a:rPr lang="pt-BR" sz="3200" baseline="-25000" dirty="0"/>
-              <a:t>-Produtos novos e atualizado </a:t>
-            </a:r>
+          </a:p>
+          <a:p>
             <a:endParaRPr lang="pt-BR" sz="3200" dirty="0"/>
           </a:p>
           <a:p>
@@ -4254,7 +4249,7 @@
         </p:spPr>
         <p:txBody>
           <a:bodyPr>
-            <a:normAutofit fontScale="92500" lnSpcReduction="20000"/>
+            <a:normAutofit/>
           </a:bodyPr>
           <a:lstStyle/>
           <a:p>
@@ -4279,13 +4274,6 @@
           <a:p>
             <a:r>
               <a:rPr lang="pt-BR" sz="3200" baseline="-25000" dirty="0"/>
-              <a:t>-Manutenção de defeitos</a:t>
-            </a:r>
-            <a:endParaRPr lang="pt-BR" sz="3200" dirty="0"/>
-          </a:p>
-          <a:p>
-            <a:r>
-              <a:rPr lang="pt-BR" sz="3200" baseline="-25000" dirty="0"/>
               <a:t>-Troca de peças quebradas</a:t>
             </a:r>
             <a:endParaRPr lang="pt-BR" sz="3200" dirty="0"/>
@@ -4309,8 +4297,8 @@
         </p:nvSpPr>
         <p:spPr>
           <a:xfrm>
-            <a:off x="4428954" y="541455"/>
-            <a:ext cx="2965622" cy="1112109"/>
+            <a:off x="4428954" y="643624"/>
+            <a:ext cx="2965622" cy="1009940"/>
           </a:xfrm>
           <a:prstGeom prst="round2DiagRect">
             <a:avLst/>
@@ -4371,13 +4359,13 @@
         </p:nvCxnSpPr>
         <p:spPr>
           <a:xfrm rot="10800000" flipH="1" flipV="1">
-            <a:off x="4428953" y="1097510"/>
-            <a:ext cx="492211" cy="2197776"/>
+            <a:off x="4428953" y="1148594"/>
+            <a:ext cx="492211" cy="2146692"/>
           </a:xfrm>
           <a:prstGeom prst="curvedConnector4">
             <a:avLst>
               <a:gd name="adj1" fmla="val -46443"/>
-              <a:gd name="adj2" fmla="val 62650"/>
+              <a:gd name="adj2" fmla="val 61762"/>
             </a:avLst>
           </a:prstGeom>
           <a:ln>
@@ -4723,7 +4711,7 @@
                 <a:latin typeface="Arial" panose="020B0604020202020204" pitchFamily="34" charset="0"/>
                 <a:cs typeface="Arial" panose="020B0604020202020204" pitchFamily="34" charset="0"/>
               </a:rPr>
-              <a:t>-Presta suporte para manutenção </a:t>
+              <a:t>-Prestar manutenção </a:t>
             </a:r>
             <a:endParaRPr lang="pt-BR" sz="3200" dirty="0">
               <a:latin typeface="Arial" panose="020B0604020202020204" pitchFamily="34" charset="0"/>
@@ -4736,7 +4724,7 @@
                 <a:latin typeface="Arial" panose="020B0604020202020204" pitchFamily="34" charset="0"/>
                 <a:cs typeface="Arial" panose="020B0604020202020204" pitchFamily="34" charset="0"/>
               </a:rPr>
-              <a:t>- Reparo da rede</a:t>
+              <a:t>-Reparo da rede</a:t>
             </a:r>
             <a:endParaRPr lang="pt-BR" sz="3200" dirty="0">
               <a:latin typeface="Arial" panose="020B0604020202020204" pitchFamily="34" charset="0"/>
